--- a/022_91893+_+91897+Documentation.pptx
+++ b/022_91893+_+91897+Documentation.pptx
@@ -6405,23 +6405,16 @@
                   <a:srgbClr val="274E13"/>
                 </a:solidFill>
               </a:rPr>
-              <a:t>Link to </a:t>
+              <a:t>Link to github Repository: </a:t>
             </a:r>
             <a:r>
-              <a:rPr lang="en" sz="2000" b="1" dirty="0" err="1">
+              <a:rPr lang="en-NZ" sz="2000" b="1" dirty="0">
                 <a:solidFill>
                   <a:srgbClr val="274E13"/>
                 </a:solidFill>
+                <a:hlinkClick r:id="rId3"/>
               </a:rPr>
-              <a:t>github</a:t>
-            </a:r>
-            <a:r>
-              <a:rPr lang="en" sz="2000" b="1" dirty="0">
-                <a:solidFill>
-                  <a:srgbClr val="274E13"/>
-                </a:solidFill>
-              </a:rPr>
-              <a:t> Repository: </a:t>
+              <a:t>GitHub Repository</a:t>
             </a:r>
             <a:endParaRPr sz="2000" b="1" dirty="0">
               <a:solidFill>
@@ -6447,7 +6440,7 @@
               <a:buFont typeface="Arial"/>
               <a:buNone/>
             </a:pPr>
-            <a:endParaRPr sz="2000">
+            <a:endParaRPr sz="2000" dirty="0">
               <a:solidFill>
                 <a:srgbClr val="274E13"/>
               </a:solidFill>
@@ -6477,23 +6470,16 @@
                   <a:srgbClr val="274E13"/>
                 </a:solidFill>
               </a:rPr>
-              <a:t>Links to </a:t>
+              <a:t>Links to trello board / project management tools: </a:t>
             </a:r>
             <a:r>
-              <a:rPr lang="en" sz="2000" b="1" dirty="0" err="1">
+              <a:rPr lang="en-NZ" sz="2000" b="1" dirty="0">
                 <a:solidFill>
                   <a:srgbClr val="274E13"/>
                 </a:solidFill>
+                <a:hlinkClick r:id="rId4"/>
               </a:rPr>
-              <a:t>trello</a:t>
-            </a:r>
-            <a:r>
-              <a:rPr lang="en" sz="2000" b="1" dirty="0">
-                <a:solidFill>
-                  <a:srgbClr val="274E13"/>
-                </a:solidFill>
-              </a:rPr>
-              <a:t> board / project management tools:</a:t>
+              <a:t>Trello Board</a:t>
             </a:r>
             <a:endParaRPr sz="2000" dirty="0"/>
           </a:p>
@@ -6845,14 +6831,40 @@
               </a:spcAft>
               <a:buNone/>
             </a:pPr>
-            <a:r>
-              <a:rPr lang="en" i="1"/>
-              <a:t>Paste screenshots of your initial Trello board / task decomposition on this slide.  If you have a long list, you might need to break it up into several columns.  Delete this instruction when you are done.</a:t>
-            </a:r>
-            <a:endParaRPr i="1"/>
+            <a:endParaRPr i="1" dirty="0"/>
           </a:p>
         </p:txBody>
       </p:sp>
+      <p:pic>
+        <p:nvPicPr>
+          <p:cNvPr id="3" name="Picture 2">
+            <a:extLst>
+              <a:ext uri="{FF2B5EF4-FFF2-40B4-BE49-F238E27FC236}">
+                <a16:creationId xmlns:a16="http://schemas.microsoft.com/office/drawing/2014/main" id="{1E495C9A-1786-4F9E-B163-E0ECA68015C9}"/>
+              </a:ext>
+            </a:extLst>
+          </p:cNvPr>
+          <p:cNvPicPr>
+            <a:picLocks noChangeAspect="1"/>
+          </p:cNvPicPr>
+          <p:nvPr/>
+        </p:nvPicPr>
+        <p:blipFill>
+          <a:blip r:embed="rId3"/>
+          <a:stretch>
+            <a:fillRect/>
+          </a:stretch>
+        </p:blipFill>
+        <p:spPr>
+          <a:xfrm>
+            <a:off x="311700" y="1152475"/>
+            <a:ext cx="6315297" cy="3793465"/>
+          </a:xfrm>
+          <a:prstGeom prst="rect">
+            <a:avLst/>
+          </a:prstGeom>
+        </p:spPr>
+      </p:pic>
     </p:spTree>
   </p:cSld>
   <p:clrMapOvr>
@@ -6988,10 +7000,10 @@
               <a:buNone/>
             </a:pPr>
             <a:r>
-              <a:rPr lang="en"/>
-              <a:t>Component 1 - Test Plan (?and screenshot)</a:t>
+              <a:rPr lang="en" dirty="0"/>
+              <a:t>Component 1 - Test Plan (and screenshot)</a:t>
             </a:r>
-            <a:endParaRPr/>
+            <a:endParaRPr dirty="0"/>
           </a:p>
         </p:txBody>
       </p:sp>
@@ -6999,11 +7011,17 @@
         <p:nvGraphicFramePr>
           <p:cNvPr id="79" name="Google Shape;79;p17"/>
           <p:cNvGraphicFramePr/>
-          <p:nvPr/>
+          <p:nvPr>
+            <p:extLst>
+              <p:ext uri="{D42A27DB-BD31-4B8C-83A1-F6EECF244321}">
+                <p14:modId xmlns:p14="http://schemas.microsoft.com/office/powerpoint/2010/main" val="2836196848"/>
+              </p:ext>
+            </p:extLst>
+          </p:nvPr>
         </p:nvGraphicFramePr>
         <p:xfrm>
-          <a:off x="382475" y="1267725"/>
-          <a:ext cx="8520600" cy="914340"/>
+          <a:off x="194742" y="3819012"/>
+          <a:ext cx="8520600" cy="1188660"/>
         </p:xfrm>
         <a:graphic>
           <a:graphicData uri="http://schemas.openxmlformats.org/drawingml/2006/table">
@@ -7044,10 +7062,10 @@
                         <a:buNone/>
                       </a:pPr>
                       <a:r>
-                        <a:rPr lang="en" sz="1800" b="1"/>
+                        <a:rPr lang="en" sz="1800" b="1" dirty="0"/>
                         <a:t>Test Case</a:t>
                       </a:r>
-                      <a:endParaRPr sz="1800" b="1"/>
+                      <a:endParaRPr sz="1800" b="1" dirty="0"/>
                     </a:p>
                   </a:txBody>
                   <a:tcPr marL="91425" marR="91425" marT="91425" marB="91425">
@@ -7071,10 +7089,10 @@
                         <a:buNone/>
                       </a:pPr>
                       <a:r>
-                        <a:rPr lang="en" sz="1800" b="1"/>
+                        <a:rPr lang="en" sz="1800" b="1" dirty="0"/>
                         <a:t>Expected Values</a:t>
                       </a:r>
-                      <a:endParaRPr sz="1800" b="1"/>
+                      <a:endParaRPr sz="1800" b="1" dirty="0"/>
                     </a:p>
                   </a:txBody>
                   <a:tcPr marL="91425" marR="91425" marT="91425" marB="91425">
@@ -7104,7 +7122,11 @@
                         </a:spcAft>
                         <a:buNone/>
                       </a:pPr>
-                      <a:endParaRPr sz="1800"/>
+                      <a:r>
+                        <a:rPr lang="en-US" sz="1800" dirty="0"/>
+                        <a:t>Run Program</a:t>
+                      </a:r>
+                      <a:endParaRPr sz="1800" dirty="0"/>
                     </a:p>
                   </a:txBody>
                   <a:tcPr marL="91425" marR="91425" marT="91425" marB="91425"/>
@@ -7123,7 +7145,11 @@
                         </a:spcAft>
                         <a:buNone/>
                       </a:pPr>
-                      <a:endParaRPr sz="1800"/>
+                      <a:r>
+                        <a:rPr lang="en-US" sz="1800" dirty="0"/>
+                        <a:t>Print welcome message with random names from list of names</a:t>
+                      </a:r>
+                      <a:endParaRPr sz="1800" dirty="0"/>
                     </a:p>
                   </a:txBody>
                   <a:tcPr marL="91425" marR="91425" marT="91425" marB="91425"/>
@@ -7138,6 +7164,66 @@
           </a:graphicData>
         </a:graphic>
       </p:graphicFrame>
+      <p:pic>
+        <p:nvPicPr>
+          <p:cNvPr id="3" name="Picture 2">
+            <a:extLst>
+              <a:ext uri="{FF2B5EF4-FFF2-40B4-BE49-F238E27FC236}">
+                <a16:creationId xmlns:a16="http://schemas.microsoft.com/office/drawing/2014/main" id="{70F5BDA1-BB99-4410-ABF5-CE41E63999C6}"/>
+              </a:ext>
+            </a:extLst>
+          </p:cNvPr>
+          <p:cNvPicPr>
+            <a:picLocks noChangeAspect="1"/>
+          </p:cNvPicPr>
+          <p:nvPr/>
+        </p:nvPicPr>
+        <p:blipFill>
+          <a:blip r:embed="rId3"/>
+          <a:stretch>
+            <a:fillRect/>
+          </a:stretch>
+        </p:blipFill>
+        <p:spPr>
+          <a:xfrm>
+            <a:off x="194742" y="1017725"/>
+            <a:ext cx="4930150" cy="1916861"/>
+          </a:xfrm>
+          <a:prstGeom prst="rect">
+            <a:avLst/>
+          </a:prstGeom>
+        </p:spPr>
+      </p:pic>
+      <p:pic>
+        <p:nvPicPr>
+          <p:cNvPr id="5" name="Picture 4">
+            <a:extLst>
+              <a:ext uri="{FF2B5EF4-FFF2-40B4-BE49-F238E27FC236}">
+                <a16:creationId xmlns:a16="http://schemas.microsoft.com/office/drawing/2014/main" id="{11F559EE-C641-4734-AA53-B3E1AD432D3F}"/>
+              </a:ext>
+            </a:extLst>
+          </p:cNvPr>
+          <p:cNvPicPr>
+            <a:picLocks noChangeAspect="1"/>
+          </p:cNvPicPr>
+          <p:nvPr/>
+        </p:nvPicPr>
+        <p:blipFill>
+          <a:blip r:embed="rId4"/>
+          <a:stretch>
+            <a:fillRect/>
+          </a:stretch>
+        </p:blipFill>
+        <p:spPr>
+          <a:xfrm>
+            <a:off x="194743" y="3062177"/>
+            <a:ext cx="4930150" cy="676275"/>
+          </a:xfrm>
+          <a:prstGeom prst="rect">
+            <a:avLst/>
+          </a:prstGeom>
+        </p:spPr>
+      </p:pic>
     </p:spTree>
   </p:cSld>
   <p:clrMapOvr>

--- a/022_91893+_+91897+Documentation.pptx
+++ b/022_91893+_+91897+Documentation.pptx
@@ -5,7 +5,7 @@
     <p:sldMasterId id="2147483659" r:id="rId1"/>
   </p:sldMasterIdLst>
   <p:notesMasterIdLst>
-    <p:notesMasterId r:id="rId9"/>
+    <p:notesMasterId r:id="rId11"/>
   </p:notesMasterIdLst>
   <p:sldIdLst>
     <p:sldId id="256" r:id="rId2"/>
@@ -13,8 +13,10 @@
     <p:sldId id="258" r:id="rId4"/>
     <p:sldId id="259" r:id="rId5"/>
     <p:sldId id="260" r:id="rId6"/>
-    <p:sldId id="261" r:id="rId7"/>
-    <p:sldId id="262" r:id="rId8"/>
+    <p:sldId id="263" r:id="rId7"/>
+    <p:sldId id="261" r:id="rId8"/>
+    <p:sldId id="264" r:id="rId9"/>
+    <p:sldId id="262" r:id="rId10"/>
   </p:sldIdLst>
   <p:sldSz cx="9144000" cy="5143500" type="screen16x9"/>
   <p:notesSz cx="6858000" cy="9144000"/>
@@ -1309,6 +1311,115 @@
   <p:cSld>
     <p:spTree>
       <p:nvGrpSpPr>
+        <p:cNvPr id="1" name="Shape 74"/>
+        <p:cNvGrpSpPr/>
+        <p:nvPr/>
+      </p:nvGrpSpPr>
+      <p:grpSpPr>
+        <a:xfrm>
+          <a:off x="0" y="0"/>
+          <a:ext cx="0" cy="0"/>
+          <a:chOff x="0" y="0"/>
+          <a:chExt cx="0" cy="0"/>
+        </a:xfrm>
+      </p:grpSpPr>
+      <p:sp>
+        <p:nvSpPr>
+          <p:cNvPr id="75" name="Google Shape;75;gac10fef634_0_20:notes"/>
+          <p:cNvSpPr>
+            <a:spLocks noGrp="1" noRot="1" noChangeAspect="1"/>
+          </p:cNvSpPr>
+          <p:nvPr>
+            <p:ph type="sldImg" idx="2"/>
+          </p:nvPr>
+        </p:nvSpPr>
+        <p:spPr>
+          <a:xfrm>
+            <a:off x="381000" y="685800"/>
+            <a:ext cx="6096000" cy="3429000"/>
+          </a:xfrm>
+          <a:custGeom>
+            <a:avLst/>
+            <a:gdLst/>
+            <a:ahLst/>
+            <a:cxnLst/>
+            <a:rect l="l" t="t" r="r" b="b"/>
+            <a:pathLst>
+              <a:path w="120000" h="120000" extrusionOk="0">
+                <a:moveTo>
+                  <a:pt x="0" y="0"/>
+                </a:moveTo>
+                <a:lnTo>
+                  <a:pt x="120000" y="0"/>
+                </a:lnTo>
+                <a:lnTo>
+                  <a:pt x="120000" y="120000"/>
+                </a:lnTo>
+                <a:lnTo>
+                  <a:pt x="0" y="120000"/>
+                </a:lnTo>
+                <a:close/>
+              </a:path>
+            </a:pathLst>
+          </a:custGeom>
+        </p:spPr>
+      </p:sp>
+      <p:sp>
+        <p:nvSpPr>
+          <p:cNvPr id="76" name="Google Shape;76;gac10fef634_0_20:notes"/>
+          <p:cNvSpPr txBox="1">
+            <a:spLocks noGrp="1"/>
+          </p:cNvSpPr>
+          <p:nvPr>
+            <p:ph type="body" idx="1"/>
+          </p:nvPr>
+        </p:nvSpPr>
+        <p:spPr>
+          <a:xfrm>
+            <a:off x="685800" y="4343400"/>
+            <a:ext cx="5486400" cy="4114800"/>
+          </a:xfrm>
+          <a:prstGeom prst="rect">
+            <a:avLst/>
+          </a:prstGeom>
+        </p:spPr>
+        <p:txBody>
+          <a:bodyPr spcFirstLastPara="1" wrap="square" lIns="91425" tIns="91425" rIns="91425" bIns="91425" anchor="t" anchorCtr="0">
+            <a:noAutofit/>
+          </a:bodyPr>
+          <a:lstStyle/>
+          <a:p>
+            <a:pPr marL="0" lvl="0" indent="0" algn="l" rtl="0">
+              <a:spcBef>
+                <a:spcPts val="0"/>
+              </a:spcBef>
+              <a:spcAft>
+                <a:spcPts val="0"/>
+              </a:spcAft>
+              <a:buNone/>
+            </a:pPr>
+            <a:endParaRPr/>
+          </a:p>
+        </p:txBody>
+      </p:sp>
+    </p:spTree>
+    <p:extLst>
+      <p:ext uri="{BB962C8B-B14F-4D97-AF65-F5344CB8AC3E}">
+        <p14:creationId xmlns:p14="http://schemas.microsoft.com/office/powerpoint/2010/main" val="2190143784"/>
+      </p:ext>
+    </p:extLst>
+  </p:cSld>
+  <p:clrMapOvr>
+    <a:masterClrMapping/>
+  </p:clrMapOvr>
+</p:notes>
+</file>
+
+<file path=ppt/notesSlides/notesSlide7.xml><?xml version="1.0" encoding="utf-8"?>
+<p:notes xmlns:a="http://schemas.openxmlformats.org/drawingml/2006/main" xmlns:r="http://schemas.openxmlformats.org/officeDocument/2006/relationships" xmlns:p="http://schemas.openxmlformats.org/presentationml/2006/main" showMasterSp="0" showMasterPhAnim="0">
+  <p:cSld>
+    <p:spTree>
+      <p:nvGrpSpPr>
         <p:cNvPr id="1" name="Shape 80"/>
         <p:cNvGrpSpPr/>
         <p:nvPr/>
@@ -1429,7 +1540,116 @@
 </p:notes>
 </file>
 
-<file path=ppt/notesSlides/notesSlide7.xml><?xml version="1.0" encoding="utf-8"?>
+<file path=ppt/notesSlides/notesSlide8.xml><?xml version="1.0" encoding="utf-8"?>
+<p:notes xmlns:a="http://schemas.openxmlformats.org/drawingml/2006/main" xmlns:r="http://schemas.openxmlformats.org/officeDocument/2006/relationships" xmlns:p="http://schemas.openxmlformats.org/presentationml/2006/main" showMasterSp="0" showMasterPhAnim="0">
+  <p:cSld>
+    <p:spTree>
+      <p:nvGrpSpPr>
+        <p:cNvPr id="1" name="Shape 74"/>
+        <p:cNvGrpSpPr/>
+        <p:nvPr/>
+      </p:nvGrpSpPr>
+      <p:grpSpPr>
+        <a:xfrm>
+          <a:off x="0" y="0"/>
+          <a:ext cx="0" cy="0"/>
+          <a:chOff x="0" y="0"/>
+          <a:chExt cx="0" cy="0"/>
+        </a:xfrm>
+      </p:grpSpPr>
+      <p:sp>
+        <p:nvSpPr>
+          <p:cNvPr id="75" name="Google Shape;75;gac10fef634_0_20:notes"/>
+          <p:cNvSpPr>
+            <a:spLocks noGrp="1" noRot="1" noChangeAspect="1"/>
+          </p:cNvSpPr>
+          <p:nvPr>
+            <p:ph type="sldImg" idx="2"/>
+          </p:nvPr>
+        </p:nvSpPr>
+        <p:spPr>
+          <a:xfrm>
+            <a:off x="381000" y="685800"/>
+            <a:ext cx="6096000" cy="3429000"/>
+          </a:xfrm>
+          <a:custGeom>
+            <a:avLst/>
+            <a:gdLst/>
+            <a:ahLst/>
+            <a:cxnLst/>
+            <a:rect l="l" t="t" r="r" b="b"/>
+            <a:pathLst>
+              <a:path w="120000" h="120000" extrusionOk="0">
+                <a:moveTo>
+                  <a:pt x="0" y="0"/>
+                </a:moveTo>
+                <a:lnTo>
+                  <a:pt x="120000" y="0"/>
+                </a:lnTo>
+                <a:lnTo>
+                  <a:pt x="120000" y="120000"/>
+                </a:lnTo>
+                <a:lnTo>
+                  <a:pt x="0" y="120000"/>
+                </a:lnTo>
+                <a:close/>
+              </a:path>
+            </a:pathLst>
+          </a:custGeom>
+        </p:spPr>
+      </p:sp>
+      <p:sp>
+        <p:nvSpPr>
+          <p:cNvPr id="76" name="Google Shape;76;gac10fef634_0_20:notes"/>
+          <p:cNvSpPr txBox="1">
+            <a:spLocks noGrp="1"/>
+          </p:cNvSpPr>
+          <p:nvPr>
+            <p:ph type="body" idx="1"/>
+          </p:nvPr>
+        </p:nvSpPr>
+        <p:spPr>
+          <a:xfrm>
+            <a:off x="685800" y="4343400"/>
+            <a:ext cx="5486400" cy="4114800"/>
+          </a:xfrm>
+          <a:prstGeom prst="rect">
+            <a:avLst/>
+          </a:prstGeom>
+        </p:spPr>
+        <p:txBody>
+          <a:bodyPr spcFirstLastPara="1" wrap="square" lIns="91425" tIns="91425" rIns="91425" bIns="91425" anchor="t" anchorCtr="0">
+            <a:noAutofit/>
+          </a:bodyPr>
+          <a:lstStyle/>
+          <a:p>
+            <a:pPr marL="0" lvl="0" indent="0" algn="l" rtl="0">
+              <a:spcBef>
+                <a:spcPts val="0"/>
+              </a:spcBef>
+              <a:spcAft>
+                <a:spcPts val="0"/>
+              </a:spcAft>
+              <a:buNone/>
+            </a:pPr>
+            <a:endParaRPr/>
+          </a:p>
+        </p:txBody>
+      </p:sp>
+    </p:spTree>
+    <p:extLst>
+      <p:ext uri="{BB962C8B-B14F-4D97-AF65-F5344CB8AC3E}">
+        <p14:creationId xmlns:p14="http://schemas.microsoft.com/office/powerpoint/2010/main" val="3686953811"/>
+      </p:ext>
+    </p:extLst>
+  </p:cSld>
+  <p:clrMapOvr>
+    <a:masterClrMapping/>
+  </p:clrMapOvr>
+</p:notes>
+</file>
+
+<file path=ppt/notesSlides/notesSlide9.xml><?xml version="1.0" encoding="utf-8"?>
 <p:notes xmlns:a="http://schemas.openxmlformats.org/drawingml/2006/main" xmlns:r="http://schemas.openxmlformats.org/officeDocument/2006/relationships" xmlns:p="http://schemas.openxmlformats.org/presentationml/2006/main" showMasterSp="0" showMasterPhAnim="0">
   <p:cSld>
     <p:spTree>
@@ -6940,6 +7160,140 @@
           </a:p>
         </p:txBody>
       </p:sp>
+      <p:pic>
+        <p:nvPicPr>
+          <p:cNvPr id="3" name="Picture 2">
+            <a:extLst>
+              <a:ext uri="{FF2B5EF4-FFF2-40B4-BE49-F238E27FC236}">
+                <a16:creationId xmlns:a16="http://schemas.microsoft.com/office/drawing/2014/main" id="{CC8330A8-9D87-40D4-8B54-0A0C13C40AD2}"/>
+              </a:ext>
+            </a:extLst>
+          </p:cNvPr>
+          <p:cNvPicPr>
+            <a:picLocks noChangeAspect="1"/>
+          </p:cNvPicPr>
+          <p:nvPr/>
+        </p:nvPicPr>
+        <p:blipFill>
+          <a:blip r:embed="rId3"/>
+          <a:stretch>
+            <a:fillRect/>
+          </a:stretch>
+        </p:blipFill>
+        <p:spPr>
+          <a:xfrm>
+            <a:off x="128587" y="1295609"/>
+            <a:ext cx="6931432" cy="1584311"/>
+          </a:xfrm>
+          <a:prstGeom prst="rect">
+            <a:avLst/>
+          </a:prstGeom>
+        </p:spPr>
+      </p:pic>
+      <p:pic>
+        <p:nvPicPr>
+          <p:cNvPr id="5" name="Picture 4">
+            <a:extLst>
+              <a:ext uri="{FF2B5EF4-FFF2-40B4-BE49-F238E27FC236}">
+                <a16:creationId xmlns:a16="http://schemas.microsoft.com/office/drawing/2014/main" id="{BF5EE70F-31B2-43D5-BB5E-411F0A108D53}"/>
+              </a:ext>
+            </a:extLst>
+          </p:cNvPr>
+          <p:cNvPicPr>
+            <a:picLocks noChangeAspect="1"/>
+          </p:cNvPicPr>
+          <p:nvPr/>
+        </p:nvPicPr>
+        <p:blipFill>
+          <a:blip r:embed="rId4"/>
+          <a:stretch>
+            <a:fillRect/>
+          </a:stretch>
+        </p:blipFill>
+        <p:spPr>
+          <a:xfrm>
+            <a:off x="128587" y="3076575"/>
+            <a:ext cx="6931432" cy="1941992"/>
+          </a:xfrm>
+          <a:prstGeom prst="rect">
+            <a:avLst/>
+          </a:prstGeom>
+        </p:spPr>
+      </p:pic>
+      <p:sp>
+        <p:nvSpPr>
+          <p:cNvPr id="6" name="TextBox 5">
+            <a:extLst>
+              <a:ext uri="{FF2B5EF4-FFF2-40B4-BE49-F238E27FC236}">
+                <a16:creationId xmlns:a16="http://schemas.microsoft.com/office/drawing/2014/main" id="{98D678F6-1D1D-463A-A3C0-44F2A75DBD02}"/>
+              </a:ext>
+            </a:extLst>
+          </p:cNvPr>
+          <p:cNvSpPr txBox="1"/>
+          <p:nvPr/>
+        </p:nvSpPr>
+        <p:spPr>
+          <a:xfrm>
+            <a:off x="7623544" y="1933875"/>
+            <a:ext cx="1839432" cy="307777"/>
+          </a:xfrm>
+          <a:prstGeom prst="rect">
+            <a:avLst/>
+          </a:prstGeom>
+          <a:noFill/>
+        </p:spPr>
+        <p:txBody>
+          <a:bodyPr wrap="square" rtlCol="0">
+            <a:spAutoFit/>
+          </a:bodyPr>
+          <a:lstStyle/>
+          <a:p>
+            <a:r>
+              <a:rPr lang="en-US" dirty="0"/>
+              <a:t>Version 1</a:t>
+            </a:r>
+            <a:endParaRPr lang="en-NZ" dirty="0"/>
+          </a:p>
+        </p:txBody>
+      </p:sp>
+      <p:sp>
+        <p:nvSpPr>
+          <p:cNvPr id="7" name="TextBox 6">
+            <a:extLst>
+              <a:ext uri="{FF2B5EF4-FFF2-40B4-BE49-F238E27FC236}">
+                <a16:creationId xmlns:a16="http://schemas.microsoft.com/office/drawing/2014/main" id="{38CE6FAC-0D2A-4626-86E7-A8663759AD6F}"/>
+              </a:ext>
+            </a:extLst>
+          </p:cNvPr>
+          <p:cNvSpPr txBox="1"/>
+          <p:nvPr/>
+        </p:nvSpPr>
+        <p:spPr>
+          <a:xfrm>
+            <a:off x="7612912" y="3940475"/>
+            <a:ext cx="1219388" cy="523220"/>
+          </a:xfrm>
+          <a:prstGeom prst="rect">
+            <a:avLst/>
+          </a:prstGeom>
+          <a:noFill/>
+        </p:spPr>
+        <p:txBody>
+          <a:bodyPr wrap="square" rtlCol="0">
+            <a:spAutoFit/>
+          </a:bodyPr>
+          <a:lstStyle/>
+          <a:p>
+            <a:r>
+              <a:rPr lang="en-US" dirty="0"/>
+              <a:t>Version 2</a:t>
+            </a:r>
+          </a:p>
+          <a:p>
+            <a:endParaRPr lang="en-NZ" dirty="0"/>
+          </a:p>
+        </p:txBody>
+      </p:sp>
     </p:spTree>
   </p:cSld>
   <p:clrMapOvr>
@@ -7001,7 +7355,7 @@
             </a:pPr>
             <a:r>
               <a:rPr lang="en" dirty="0"/>
-              <a:t>Component 1 - Test Plan (and screenshot)</a:t>
+              <a:t>Component 1 Version 1 - Test Plan (and screenshot)</a:t>
             </a:r>
             <a:endParaRPr dirty="0"/>
           </a:p>
@@ -7235,6 +7589,235 @@
 <file path=ppt/slides/slide6.xml><?xml version="1.0" encoding="utf-8"?>
 <p:sld xmlns:a="http://schemas.openxmlformats.org/drawingml/2006/main" xmlns:r="http://schemas.openxmlformats.org/officeDocument/2006/relationships" xmlns:p="http://schemas.openxmlformats.org/presentationml/2006/main">
   <p:cSld>
+    <p:spTree>
+      <p:nvGrpSpPr>
+        <p:cNvPr id="1" name="Shape 77"/>
+        <p:cNvGrpSpPr/>
+        <p:nvPr/>
+      </p:nvGrpSpPr>
+      <p:grpSpPr>
+        <a:xfrm>
+          <a:off x="0" y="0"/>
+          <a:ext cx="0" cy="0"/>
+          <a:chOff x="0" y="0"/>
+          <a:chExt cx="0" cy="0"/>
+        </a:xfrm>
+      </p:grpSpPr>
+      <p:sp>
+        <p:nvSpPr>
+          <p:cNvPr id="78" name="Google Shape;78;p17"/>
+          <p:cNvSpPr txBox="1">
+            <a:spLocks noGrp="1"/>
+          </p:cNvSpPr>
+          <p:nvPr>
+            <p:ph type="title"/>
+          </p:nvPr>
+        </p:nvSpPr>
+        <p:spPr>
+          <a:xfrm>
+            <a:off x="311700" y="445025"/>
+            <a:ext cx="8520600" cy="572700"/>
+          </a:xfrm>
+          <a:prstGeom prst="rect">
+            <a:avLst/>
+          </a:prstGeom>
+        </p:spPr>
+        <p:txBody>
+          <a:bodyPr spcFirstLastPara="1" wrap="square" lIns="91425" tIns="91425" rIns="91425" bIns="91425" anchor="t" anchorCtr="0">
+            <a:noAutofit/>
+          </a:bodyPr>
+          <a:lstStyle/>
+          <a:p>
+            <a:pPr marL="0" lvl="0" indent="0" algn="l" rtl="0">
+              <a:spcBef>
+                <a:spcPts val="0"/>
+              </a:spcBef>
+              <a:spcAft>
+                <a:spcPts val="0"/>
+              </a:spcAft>
+              <a:buNone/>
+            </a:pPr>
+            <a:r>
+              <a:rPr lang="en" dirty="0"/>
+              <a:t>Component 1 Version 2 - Test Plan (and screenshot)</a:t>
+            </a:r>
+            <a:endParaRPr dirty="0"/>
+          </a:p>
+        </p:txBody>
+      </p:sp>
+      <p:graphicFrame>
+        <p:nvGraphicFramePr>
+          <p:cNvPr id="79" name="Google Shape;79;p17"/>
+          <p:cNvGraphicFramePr/>
+          <p:nvPr>
+            <p:extLst>
+              <p:ext uri="{D42A27DB-BD31-4B8C-83A1-F6EECF244321}">
+                <p14:modId xmlns:p14="http://schemas.microsoft.com/office/powerpoint/2010/main" val="1343166171"/>
+              </p:ext>
+            </p:extLst>
+          </p:nvPr>
+        </p:nvGraphicFramePr>
+        <p:xfrm>
+          <a:off x="194742" y="3819012"/>
+          <a:ext cx="8520600" cy="1188660"/>
+        </p:xfrm>
+        <a:graphic>
+          <a:graphicData uri="http://schemas.openxmlformats.org/drawingml/2006/table">
+            <a:tbl>
+              <a:tblPr>
+                <a:noFill/>
+                <a:tableStyleId>{E1099E06-0E6B-448D-9D27-60429F06E6F4}</a:tableStyleId>
+              </a:tblPr>
+              <a:tblGrid>
+                <a:gridCol w="4260300">
+                  <a:extLst>
+                    <a:ext uri="{9D8B030D-6E8A-4147-A177-3AD203B41FA5}">
+                      <a16:colId xmlns:a16="http://schemas.microsoft.com/office/drawing/2014/main" val="20000"/>
+                    </a:ext>
+                  </a:extLst>
+                </a:gridCol>
+                <a:gridCol w="4260300">
+                  <a:extLst>
+                    <a:ext uri="{9D8B030D-6E8A-4147-A177-3AD203B41FA5}">
+                      <a16:colId xmlns:a16="http://schemas.microsoft.com/office/drawing/2014/main" val="20001"/>
+                    </a:ext>
+                  </a:extLst>
+                </a:gridCol>
+              </a:tblGrid>
+              <a:tr h="381000">
+                <a:tc>
+                  <a:txBody>
+                    <a:bodyPr/>
+                    <a:lstStyle/>
+                    <a:p>
+                      <a:pPr marL="0" lvl="0" indent="0" algn="l" rtl="0">
+                        <a:spcBef>
+                          <a:spcPts val="0"/>
+                        </a:spcBef>
+                        <a:spcAft>
+                          <a:spcPts val="0"/>
+                        </a:spcAft>
+                        <a:buNone/>
+                      </a:pPr>
+                      <a:r>
+                        <a:rPr lang="en" sz="1800" b="1" dirty="0"/>
+                        <a:t>Test Case</a:t>
+                      </a:r>
+                      <a:endParaRPr sz="1800" b="1" dirty="0"/>
+                    </a:p>
+                  </a:txBody>
+                  <a:tcPr marL="91425" marR="91425" marT="91425" marB="91425">
+                    <a:solidFill>
+                      <a:srgbClr val="CCCCCC"/>
+                    </a:solidFill>
+                  </a:tcPr>
+                </a:tc>
+                <a:tc>
+                  <a:txBody>
+                    <a:bodyPr/>
+                    <a:lstStyle/>
+                    <a:p>
+                      <a:pPr marL="0" lvl="0" indent="0" algn="l" rtl="0">
+                        <a:spcBef>
+                          <a:spcPts val="0"/>
+                        </a:spcBef>
+                        <a:spcAft>
+                          <a:spcPts val="0"/>
+                        </a:spcAft>
+                        <a:buNone/>
+                      </a:pPr>
+                      <a:r>
+                        <a:rPr lang="en" sz="1800" b="1" dirty="0"/>
+                        <a:t>Expected Values</a:t>
+                      </a:r>
+                      <a:endParaRPr sz="1800" b="1" dirty="0"/>
+                    </a:p>
+                  </a:txBody>
+                  <a:tcPr marL="91425" marR="91425" marT="91425" marB="91425">
+                    <a:solidFill>
+                      <a:srgbClr val="CCCCCC"/>
+                    </a:solidFill>
+                  </a:tcPr>
+                </a:tc>
+                <a:extLst>
+                  <a:ext uri="{0D108BD9-81ED-4DB2-BD59-A6C34878D82A}">
+                    <a16:rowId xmlns:a16="http://schemas.microsoft.com/office/drawing/2014/main" val="10000"/>
+                  </a:ext>
+                </a:extLst>
+              </a:tr>
+              <a:tr h="396200">
+                <a:tc>
+                  <a:txBody>
+                    <a:bodyPr/>
+                    <a:lstStyle/>
+                    <a:p>
+                      <a:pPr marL="0" lvl="0" indent="0" algn="l" rtl="0">
+                        <a:spcBef>
+                          <a:spcPts val="0"/>
+                        </a:spcBef>
+                        <a:spcAft>
+                          <a:spcPts val="0"/>
+                        </a:spcAft>
+                        <a:buNone/>
+                      </a:pPr>
+                      <a:r>
+                        <a:rPr lang="en-US" sz="1800" dirty="0"/>
+                        <a:t>Run Program</a:t>
+                      </a:r>
+                      <a:endParaRPr sz="1800" dirty="0"/>
+                    </a:p>
+                  </a:txBody>
+                  <a:tcPr marL="91425" marR="91425" marT="91425" marB="91425"/>
+                </a:tc>
+                <a:tc>
+                  <a:txBody>
+                    <a:bodyPr/>
+                    <a:lstStyle/>
+                    <a:p>
+                      <a:pPr marL="0" lvl="0" indent="0" algn="l" rtl="0">
+                        <a:spcBef>
+                          <a:spcPts val="0"/>
+                        </a:spcBef>
+                        <a:spcAft>
+                          <a:spcPts val="0"/>
+                        </a:spcAft>
+                        <a:buNone/>
+                      </a:pPr>
+                      <a:r>
+                        <a:rPr lang="en-US" sz="1800" dirty="0"/>
+                        <a:t>Print welcome message with random names from list of names</a:t>
+                      </a:r>
+                      <a:endParaRPr sz="1800" dirty="0"/>
+                    </a:p>
+                  </a:txBody>
+                  <a:tcPr marL="91425" marR="91425" marT="91425" marB="91425"/>
+                </a:tc>
+                <a:extLst>
+                  <a:ext uri="{0D108BD9-81ED-4DB2-BD59-A6C34878D82A}">
+                    <a16:rowId xmlns:a16="http://schemas.microsoft.com/office/drawing/2014/main" val="10001"/>
+                  </a:ext>
+                </a:extLst>
+              </a:tr>
+            </a:tbl>
+          </a:graphicData>
+        </a:graphic>
+      </p:graphicFrame>
+    </p:spTree>
+    <p:extLst>
+      <p:ext uri="{BB962C8B-B14F-4D97-AF65-F5344CB8AC3E}">
+        <p14:creationId xmlns:p14="http://schemas.microsoft.com/office/powerpoint/2010/main" val="3810953078"/>
+      </p:ext>
+    </p:extLst>
+  </p:cSld>
+  <p:clrMapOvr>
+    <a:masterClrMapping/>
+  </p:clrMapOvr>
+</p:sld>
+</file>
+
+<file path=ppt/slides/slide7.xml><?xml version="1.0" encoding="utf-8"?>
+<p:sld xmlns:a="http://schemas.openxmlformats.org/drawingml/2006/main" xmlns:r="http://schemas.openxmlformats.org/officeDocument/2006/relationships" xmlns:p="http://schemas.openxmlformats.org/presentationml/2006/main">
+  <p:cSld>
     <p:bg>
       <p:bgPr>
         <a:solidFill>
@@ -7349,7 +7932,296 @@
 </p:sld>
 </file>
 
-<file path=ppt/slides/slide7.xml><?xml version="1.0" encoding="utf-8"?>
+<file path=ppt/slides/slide8.xml><?xml version="1.0" encoding="utf-8"?>
+<p:sld xmlns:a="http://schemas.openxmlformats.org/drawingml/2006/main" xmlns:r="http://schemas.openxmlformats.org/officeDocument/2006/relationships" xmlns:p="http://schemas.openxmlformats.org/presentationml/2006/main">
+  <p:cSld>
+    <p:spTree>
+      <p:nvGrpSpPr>
+        <p:cNvPr id="1" name="Shape 77"/>
+        <p:cNvGrpSpPr/>
+        <p:nvPr/>
+      </p:nvGrpSpPr>
+      <p:grpSpPr>
+        <a:xfrm>
+          <a:off x="0" y="0"/>
+          <a:ext cx="0" cy="0"/>
+          <a:chOff x="0" y="0"/>
+          <a:chExt cx="0" cy="0"/>
+        </a:xfrm>
+      </p:grpSpPr>
+      <p:sp>
+        <p:nvSpPr>
+          <p:cNvPr id="78" name="Google Shape;78;p17"/>
+          <p:cNvSpPr txBox="1">
+            <a:spLocks noGrp="1"/>
+          </p:cNvSpPr>
+          <p:nvPr>
+            <p:ph type="title"/>
+          </p:nvPr>
+        </p:nvSpPr>
+        <p:spPr>
+          <a:xfrm>
+            <a:off x="311700" y="445025"/>
+            <a:ext cx="8520600" cy="572700"/>
+          </a:xfrm>
+          <a:prstGeom prst="rect">
+            <a:avLst/>
+          </a:prstGeom>
+        </p:spPr>
+        <p:txBody>
+          <a:bodyPr spcFirstLastPara="1" wrap="square" lIns="91425" tIns="91425" rIns="91425" bIns="91425" anchor="t" anchorCtr="0">
+            <a:noAutofit/>
+          </a:bodyPr>
+          <a:lstStyle/>
+          <a:p>
+            <a:pPr marL="0" lvl="0" indent="0" algn="l" rtl="0">
+              <a:spcBef>
+                <a:spcPts val="0"/>
+              </a:spcBef>
+              <a:spcAft>
+                <a:spcPts val="0"/>
+              </a:spcAft>
+              <a:buNone/>
+            </a:pPr>
+            <a:r>
+              <a:rPr lang="en" dirty="0"/>
+              <a:t>Component 1 Version 2 - Test Plan (and screenshot)</a:t>
+            </a:r>
+            <a:endParaRPr dirty="0"/>
+          </a:p>
+        </p:txBody>
+      </p:sp>
+      <p:graphicFrame>
+        <p:nvGraphicFramePr>
+          <p:cNvPr id="79" name="Google Shape;79;p17"/>
+          <p:cNvGraphicFramePr/>
+          <p:nvPr>
+            <p:extLst>
+              <p:ext uri="{D42A27DB-BD31-4B8C-83A1-F6EECF244321}">
+                <p14:modId xmlns:p14="http://schemas.microsoft.com/office/powerpoint/2010/main" val="731096259"/>
+              </p:ext>
+            </p:extLst>
+          </p:nvPr>
+        </p:nvGraphicFramePr>
+        <p:xfrm>
+          <a:off x="311700" y="3671539"/>
+          <a:ext cx="8520600" cy="1462980"/>
+        </p:xfrm>
+        <a:graphic>
+          <a:graphicData uri="http://schemas.openxmlformats.org/drawingml/2006/table">
+            <a:tbl>
+              <a:tblPr>
+                <a:noFill/>
+                <a:tableStyleId>{E1099E06-0E6B-448D-9D27-60429F06E6F4}</a:tableStyleId>
+              </a:tblPr>
+              <a:tblGrid>
+                <a:gridCol w="4260300">
+                  <a:extLst>
+                    <a:ext uri="{9D8B030D-6E8A-4147-A177-3AD203B41FA5}">
+                      <a16:colId xmlns:a16="http://schemas.microsoft.com/office/drawing/2014/main" val="20000"/>
+                    </a:ext>
+                  </a:extLst>
+                </a:gridCol>
+                <a:gridCol w="4260300">
+                  <a:extLst>
+                    <a:ext uri="{9D8B030D-6E8A-4147-A177-3AD203B41FA5}">
+                      <a16:colId xmlns:a16="http://schemas.microsoft.com/office/drawing/2014/main" val="20001"/>
+                    </a:ext>
+                  </a:extLst>
+                </a:gridCol>
+              </a:tblGrid>
+              <a:tr h="454364">
+                <a:tc>
+                  <a:txBody>
+                    <a:bodyPr/>
+                    <a:lstStyle/>
+                    <a:p>
+                      <a:pPr marL="0" lvl="0" indent="0" algn="l" rtl="0">
+                        <a:spcBef>
+                          <a:spcPts val="0"/>
+                        </a:spcBef>
+                        <a:spcAft>
+                          <a:spcPts val="0"/>
+                        </a:spcAft>
+                        <a:buNone/>
+                      </a:pPr>
+                      <a:r>
+                        <a:rPr lang="en" sz="1800" b="1" dirty="0"/>
+                        <a:t>Test Case</a:t>
+                      </a:r>
+                      <a:endParaRPr sz="1800" b="1" dirty="0"/>
+                    </a:p>
+                  </a:txBody>
+                  <a:tcPr marL="91425" marR="91425" marT="91425" marB="91425">
+                    <a:solidFill>
+                      <a:srgbClr val="CCCCCC"/>
+                    </a:solidFill>
+                  </a:tcPr>
+                </a:tc>
+                <a:tc>
+                  <a:txBody>
+                    <a:bodyPr/>
+                    <a:lstStyle/>
+                    <a:p>
+                      <a:pPr marL="0" lvl="0" indent="0" algn="l" rtl="0">
+                        <a:spcBef>
+                          <a:spcPts val="0"/>
+                        </a:spcBef>
+                        <a:spcAft>
+                          <a:spcPts val="0"/>
+                        </a:spcAft>
+                        <a:buNone/>
+                      </a:pPr>
+                      <a:r>
+                        <a:rPr lang="en" sz="1800" b="1" dirty="0"/>
+                        <a:t>Expected Values</a:t>
+                      </a:r>
+                      <a:endParaRPr sz="1800" b="1" dirty="0"/>
+                    </a:p>
+                  </a:txBody>
+                  <a:tcPr marL="91425" marR="91425" marT="91425" marB="91425">
+                    <a:solidFill>
+                      <a:srgbClr val="CCCCCC"/>
+                    </a:solidFill>
+                  </a:tcPr>
+                </a:tc>
+                <a:extLst>
+                  <a:ext uri="{0D108BD9-81ED-4DB2-BD59-A6C34878D82A}">
+                    <a16:rowId xmlns:a16="http://schemas.microsoft.com/office/drawing/2014/main" val="10000"/>
+                  </a:ext>
+                </a:extLst>
+              </a:tr>
+              <a:tr h="999637">
+                <a:tc>
+                  <a:txBody>
+                    <a:bodyPr/>
+                    <a:lstStyle/>
+                    <a:p>
+                      <a:pPr marL="0" lvl="0" indent="0" algn="l" rtl="0">
+                        <a:spcBef>
+                          <a:spcPts val="0"/>
+                        </a:spcBef>
+                        <a:spcAft>
+                          <a:spcPts val="0"/>
+                        </a:spcAft>
+                        <a:buNone/>
+                      </a:pPr>
+                      <a:r>
+                        <a:rPr lang="en-US" sz="1800" dirty="0"/>
+                        <a:t>Run Program</a:t>
+                      </a:r>
+                      <a:endParaRPr sz="1800" dirty="0"/>
+                    </a:p>
+                  </a:txBody>
+                  <a:tcPr marL="91425" marR="91425" marT="91425" marB="91425"/>
+                </a:tc>
+                <a:tc>
+                  <a:txBody>
+                    <a:bodyPr/>
+                    <a:lstStyle/>
+                    <a:p>
+                      <a:pPr marL="0" lvl="0" indent="0" algn="l" rtl="0">
+                        <a:spcBef>
+                          <a:spcPts val="0"/>
+                        </a:spcBef>
+                        <a:spcAft>
+                          <a:spcPts val="0"/>
+                        </a:spcAft>
+                        <a:buNone/>
+                      </a:pPr>
+                      <a:r>
+                        <a:rPr lang="en-US" sz="1800" dirty="0"/>
+                        <a:t>Main and welcome run correctly. Welcome message prints with random name</a:t>
+                      </a:r>
+                      <a:endParaRPr sz="1800" dirty="0"/>
+                    </a:p>
+                  </a:txBody>
+                  <a:tcPr marL="91425" marR="91425" marT="91425" marB="91425"/>
+                </a:tc>
+                <a:extLst>
+                  <a:ext uri="{0D108BD9-81ED-4DB2-BD59-A6C34878D82A}">
+                    <a16:rowId xmlns:a16="http://schemas.microsoft.com/office/drawing/2014/main" val="10001"/>
+                  </a:ext>
+                </a:extLst>
+              </a:tr>
+            </a:tbl>
+          </a:graphicData>
+        </a:graphic>
+      </p:graphicFrame>
+      <p:pic>
+        <p:nvPicPr>
+          <p:cNvPr id="4" name="Picture 3">
+            <a:extLst>
+              <a:ext uri="{FF2B5EF4-FFF2-40B4-BE49-F238E27FC236}">
+                <a16:creationId xmlns:a16="http://schemas.microsoft.com/office/drawing/2014/main" id="{21CB1BCF-0F00-42B2-BAE0-E41FBA402510}"/>
+              </a:ext>
+            </a:extLst>
+          </p:cNvPr>
+          <p:cNvPicPr>
+            <a:picLocks noChangeAspect="1"/>
+          </p:cNvPicPr>
+          <p:nvPr/>
+        </p:nvPicPr>
+        <p:blipFill>
+          <a:blip r:embed="rId3"/>
+          <a:stretch>
+            <a:fillRect/>
+          </a:stretch>
+        </p:blipFill>
+        <p:spPr>
+          <a:xfrm>
+            <a:off x="311700" y="920165"/>
+            <a:ext cx="6812097" cy="2099482"/>
+          </a:xfrm>
+          <a:prstGeom prst="rect">
+            <a:avLst/>
+          </a:prstGeom>
+        </p:spPr>
+      </p:pic>
+      <p:pic>
+        <p:nvPicPr>
+          <p:cNvPr id="7" name="Picture 6">
+            <a:extLst>
+              <a:ext uri="{FF2B5EF4-FFF2-40B4-BE49-F238E27FC236}">
+                <a16:creationId xmlns:a16="http://schemas.microsoft.com/office/drawing/2014/main" id="{A7930335-8C41-4C18-90B5-5EAF98914B67}"/>
+              </a:ext>
+            </a:extLst>
+          </p:cNvPr>
+          <p:cNvPicPr>
+            <a:picLocks noChangeAspect="1"/>
+          </p:cNvPicPr>
+          <p:nvPr/>
+        </p:nvPicPr>
+        <p:blipFill>
+          <a:blip r:embed="rId4"/>
+          <a:stretch>
+            <a:fillRect/>
+          </a:stretch>
+        </p:blipFill>
+        <p:spPr>
+          <a:xfrm>
+            <a:off x="311700" y="3088418"/>
+            <a:ext cx="4762500" cy="514350"/>
+          </a:xfrm>
+          <a:prstGeom prst="rect">
+            <a:avLst/>
+          </a:prstGeom>
+        </p:spPr>
+      </p:pic>
+    </p:spTree>
+    <p:extLst>
+      <p:ext uri="{BB962C8B-B14F-4D97-AF65-F5344CB8AC3E}">
+        <p14:creationId xmlns:p14="http://schemas.microsoft.com/office/powerpoint/2010/main" val="1329446328"/>
+      </p:ext>
+    </p:extLst>
+  </p:cSld>
+  <p:clrMapOvr>
+    <a:masterClrMapping/>
+  </p:clrMapOvr>
+</p:sld>
+</file>
+
+<file path=ppt/slides/slide9.xml><?xml version="1.0" encoding="utf-8"?>
 <p:sld xmlns:a="http://schemas.openxmlformats.org/drawingml/2006/main" xmlns:r="http://schemas.openxmlformats.org/officeDocument/2006/relationships" xmlns:p="http://schemas.openxmlformats.org/presentationml/2006/main">
   <p:cSld>
     <p:bg>
